--- a/lectures/lecture #06 presentation.pptx
+++ b/lectures/lecture #06 presentation.pptx
@@ -215,7 +215,7 @@
           <a:p>
             <a:fld id="{9F16E362-832A-824E-B063-25F5DE831740}" type="datetimeFigureOut">
               <a:rPr lang="en-RU" smtClean="0"/>
-              <a:t>27.11.2021</a:t>
+              <a:t>20.03.2022</a:t>
             </a:fld>
             <a:endParaRPr lang="en-RU"/>
           </a:p>
@@ -4555,10 +4555,10 @@
       </p:pic>
       <p:pic>
         <p:nvPicPr>
-          <p:cNvPr id="13" name="Picture 12">
+          <p:cNvPr id="15" name="Picture 14">
             <a:extLst>
               <a:ext uri="{FF2B5EF4-FFF2-40B4-BE49-F238E27FC236}">
-                <a16:creationId xmlns:a16="http://schemas.microsoft.com/office/drawing/2014/main" id="{A7DDBD44-C37A-BC4B-9A9C-15BBDE507D88}"/>
+                <a16:creationId xmlns:a16="http://schemas.microsoft.com/office/drawing/2014/main" id="{1E6C60D5-83C2-274A-AF77-A2BA323DBAEE}"/>
               </a:ext>
             </a:extLst>
           </p:cNvPr>
@@ -4569,42 +4569,6 @@
         </p:nvPicPr>
         <p:blipFill>
           <a:blip r:embed="rId4">
-            <a:extLst>
-              <a:ext uri="{28A0092B-C50C-407E-A947-70E740481C1C}">
-                <a14:useLocalDpi xmlns:a14="http://schemas.microsoft.com/office/drawing/2010/main" val="0"/>
-              </a:ext>
-            </a:extLst>
-          </a:blip>
-          <a:stretch>
-            <a:fillRect/>
-          </a:stretch>
-        </p:blipFill>
-        <p:spPr>
-          <a:xfrm>
-            <a:off x="2159139" y="4388658"/>
-            <a:ext cx="7593496" cy="2250667"/>
-          </a:xfrm>
-          <a:prstGeom prst="rect">
-            <a:avLst/>
-          </a:prstGeom>
-        </p:spPr>
-      </p:pic>
-      <p:pic>
-        <p:nvPicPr>
-          <p:cNvPr id="15" name="Picture 14">
-            <a:extLst>
-              <a:ext uri="{FF2B5EF4-FFF2-40B4-BE49-F238E27FC236}">
-                <a16:creationId xmlns:a16="http://schemas.microsoft.com/office/drawing/2014/main" id="{1E6C60D5-83C2-274A-AF77-A2BA323DBAEE}"/>
-              </a:ext>
-            </a:extLst>
-          </p:cNvPr>
-          <p:cNvPicPr>
-            <a:picLocks noChangeAspect="1"/>
-          </p:cNvPicPr>
-          <p:nvPr/>
-        </p:nvPicPr>
-        <p:blipFill>
-          <a:blip r:embed="rId5">
             <a:extLst>
               <a:ext uri="{28A0092B-C50C-407E-A947-70E740481C1C}">
                 <a14:useLocalDpi xmlns:a14="http://schemas.microsoft.com/office/drawing/2010/main" val="0"/>
@@ -4619,6 +4583,42 @@
           <a:xfrm>
             <a:off x="1120775" y="1790220"/>
             <a:ext cx="4590714" cy="2643496"/>
+          </a:xfrm>
+          <a:prstGeom prst="rect">
+            <a:avLst/>
+          </a:prstGeom>
+        </p:spPr>
+      </p:pic>
+      <p:pic>
+        <p:nvPicPr>
+          <p:cNvPr id="5" name="Picture 4">
+            <a:extLst>
+              <a:ext uri="{FF2B5EF4-FFF2-40B4-BE49-F238E27FC236}">
+                <a16:creationId xmlns:a16="http://schemas.microsoft.com/office/drawing/2014/main" id="{A67E75B1-B079-E547-959B-564C27D8AC9A}"/>
+              </a:ext>
+            </a:extLst>
+          </p:cNvPr>
+          <p:cNvPicPr>
+            <a:picLocks noChangeAspect="1"/>
+          </p:cNvPicPr>
+          <p:nvPr/>
+        </p:nvPicPr>
+        <p:blipFill>
+          <a:blip r:embed="rId5">
+            <a:extLst>
+              <a:ext uri="{28A0092B-C50C-407E-A947-70E740481C1C}">
+                <a14:useLocalDpi xmlns:a14="http://schemas.microsoft.com/office/drawing/2010/main" val="0"/>
+              </a:ext>
+            </a:extLst>
+          </a:blip>
+          <a:stretch>
+            <a:fillRect/>
+          </a:stretch>
+        </p:blipFill>
+        <p:spPr>
+          <a:xfrm>
+            <a:off x="2307281" y="4721844"/>
+            <a:ext cx="7577437" cy="1964769"/>
           </a:xfrm>
           <a:prstGeom prst="rect">
             <a:avLst/>
@@ -7705,31 +7705,17 @@
             <a:pPr hangingPunct="0"/>
             <a:r>
               <a:rPr lang="en-GB" dirty="0"/>
-              <a:t>Example with an array:</a:t>
-            </a:r>
-            <a:endParaRPr kumimoji="0" lang="en-RU" sz="1800" b="0" i="0" u="none" strike="noStrike" cap="none" spc="0" normalizeH="0" baseline="0" dirty="0">
-              <a:ln>
-                <a:noFill/>
-              </a:ln>
-              <a:solidFill>
-                <a:srgbClr val="323332"/>
-              </a:solidFill>
-              <a:effectLst/>
-              <a:uFillTx/>
-              <a:latin typeface="+mj-lt"/>
-              <a:ea typeface="+mj-ea"/>
-              <a:cs typeface="+mj-cs"/>
-              <a:sym typeface="Calibri"/>
-            </a:endParaRPr>
+              <a:t>Example with an array (note, that array is placed on the stack in the reversed order):</a:t>
+            </a:r>
           </a:p>
         </p:txBody>
       </p:sp>
       <p:pic>
         <p:nvPicPr>
-          <p:cNvPr id="6" name="Picture 5">
+          <p:cNvPr id="5" name="Picture 4">
             <a:extLst>
               <a:ext uri="{FF2B5EF4-FFF2-40B4-BE49-F238E27FC236}">
-                <a16:creationId xmlns:a16="http://schemas.microsoft.com/office/drawing/2014/main" id="{CC58BEB5-9A31-374E-8924-857F5B01171E}"/>
+                <a16:creationId xmlns:a16="http://schemas.microsoft.com/office/drawing/2014/main" id="{D936D385-B62E-CE4F-87B1-579E7377EA40}"/>
               </a:ext>
             </a:extLst>
           </p:cNvPr>
@@ -7752,8 +7738,8 @@
         </p:blipFill>
         <p:spPr>
           <a:xfrm>
-            <a:off x="3575457" y="2472246"/>
-            <a:ext cx="5041086" cy="4016424"/>
+            <a:off x="3359897" y="2273642"/>
+            <a:ext cx="5472206" cy="4360561"/>
           </a:xfrm>
           <a:prstGeom prst="rect">
             <a:avLst/>
